--- a/Final PPT.pptx
+++ b/Final PPT.pptx
@@ -5,7 +5,7 @@
     <p:sldMasterId id="2147483648" r:id="rId1"/>
   </p:sldMasterIdLst>
   <p:notesMasterIdLst>
-    <p:notesMasterId r:id="rId20"/>
+    <p:notesMasterId r:id="rId22"/>
   </p:notesMasterIdLst>
   <p:sldIdLst>
     <p:sldId id="256" r:id="rId2"/>
@@ -21,11 +21,13 @@
     <p:sldId id="266" r:id="rId12"/>
     <p:sldId id="267" r:id="rId13"/>
     <p:sldId id="268" r:id="rId14"/>
-    <p:sldId id="269" r:id="rId15"/>
-    <p:sldId id="271" r:id="rId16"/>
-    <p:sldId id="276" r:id="rId17"/>
-    <p:sldId id="272" r:id="rId18"/>
-    <p:sldId id="274" r:id="rId19"/>
+    <p:sldId id="277" r:id="rId15"/>
+    <p:sldId id="278" r:id="rId16"/>
+    <p:sldId id="269" r:id="rId17"/>
+    <p:sldId id="271" r:id="rId18"/>
+    <p:sldId id="276" r:id="rId19"/>
+    <p:sldId id="272" r:id="rId20"/>
+    <p:sldId id="274" r:id="rId21"/>
   </p:sldIdLst>
   <p:sldSz cx="12192000" cy="6858000"/>
   <p:notesSz cx="6858000" cy="9144000"/>
@@ -142,6 +144,8 @@
             <p14:sldId id="266"/>
             <p14:sldId id="267"/>
             <p14:sldId id="268"/>
+            <p14:sldId id="277"/>
+            <p14:sldId id="278"/>
             <p14:sldId id="269"/>
             <p14:sldId id="271"/>
             <p14:sldId id="276"/>
@@ -5251,11 +5255,71 @@
                 <a:latin typeface="Aharoni" panose="02010803020104030203" pitchFamily="2" charset="-79"/>
                 <a:cs typeface="Aharoni" panose="02010803020104030203" pitchFamily="2" charset="-79"/>
               </a:rPr>
-              <a:t>Data Visualization</a:t>
-            </a:r>
-          </a:p>
-        </p:txBody>
-      </p:sp>
+              <a:t>Data Collection - UI</a:t>
+            </a:r>
+          </a:p>
+        </p:txBody>
+      </p:sp>
+      <p:pic>
+        <p:nvPicPr>
+          <p:cNvPr id="8" name="Picture 7">
+            <a:extLst>
+              <a:ext uri="{FF2B5EF4-FFF2-40B4-BE49-F238E27FC236}">
+                <a16:creationId xmlns:a16="http://schemas.microsoft.com/office/drawing/2014/main" id="{15C911AD-6CF9-354D-6E80-ABA14777C1BB}"/>
+              </a:ext>
+            </a:extLst>
+          </p:cNvPr>
+          <p:cNvPicPr>
+            <a:picLocks noChangeAspect="1"/>
+          </p:cNvPicPr>
+          <p:nvPr/>
+        </p:nvPicPr>
+        <p:blipFill>
+          <a:blip r:embed="rId3"/>
+          <a:stretch>
+            <a:fillRect/>
+          </a:stretch>
+        </p:blipFill>
+        <p:spPr>
+          <a:xfrm>
+            <a:off x="358589" y="1048871"/>
+            <a:ext cx="6313432" cy="3253770"/>
+          </a:xfrm>
+          <a:prstGeom prst="rect">
+            <a:avLst/>
+          </a:prstGeom>
+        </p:spPr>
+      </p:pic>
+      <p:pic>
+        <p:nvPicPr>
+          <p:cNvPr id="10" name="Picture 9">
+            <a:extLst>
+              <a:ext uri="{FF2B5EF4-FFF2-40B4-BE49-F238E27FC236}">
+                <a16:creationId xmlns:a16="http://schemas.microsoft.com/office/drawing/2014/main" id="{237D58CE-71B3-4FE3-A88A-50D4AD42DFFC}"/>
+              </a:ext>
+            </a:extLst>
+          </p:cNvPr>
+          <p:cNvPicPr>
+            <a:picLocks noChangeAspect="1"/>
+          </p:cNvPicPr>
+          <p:nvPr/>
+        </p:nvPicPr>
+        <p:blipFill>
+          <a:blip r:embed="rId4"/>
+          <a:stretch>
+            <a:fillRect/>
+          </a:stretch>
+        </p:blipFill>
+        <p:spPr>
+          <a:xfrm>
+            <a:off x="4982273" y="2828636"/>
+            <a:ext cx="6851138" cy="3538029"/>
+          </a:xfrm>
+          <a:prstGeom prst="rect">
+            <a:avLst/>
+          </a:prstGeom>
+        </p:spPr>
+      </p:pic>
     </p:spTree>
     <p:extLst>
       <p:ext uri="{BB962C8B-B14F-4D97-AF65-F5344CB8AC3E}">
@@ -5270,6 +5334,406 @@
 </file>
 
 <file path=ppt/slides/slide14.xml><?xml version="1.0" encoding="utf-8"?>
+<p:sld xmlns:a="http://schemas.openxmlformats.org/drawingml/2006/main" xmlns:r="http://schemas.openxmlformats.org/officeDocument/2006/relationships" xmlns:p="http://schemas.openxmlformats.org/presentationml/2006/main">
+  <p:cSld>
+    <p:spTree>
+      <p:nvGrpSpPr>
+        <p:cNvPr id="1" name="">
+          <a:extLst>
+            <a:ext uri="{FF2B5EF4-FFF2-40B4-BE49-F238E27FC236}">
+              <a16:creationId xmlns:a16="http://schemas.microsoft.com/office/drawing/2014/main" id="{61CEC922-9D8E-BAB6-09B7-B01EE83C26CD}"/>
+            </a:ext>
+          </a:extLst>
+        </p:cNvPr>
+        <p:cNvGrpSpPr/>
+        <p:nvPr/>
+      </p:nvGrpSpPr>
+      <p:grpSpPr>
+        <a:xfrm>
+          <a:off x="0" y="0"/>
+          <a:ext cx="0" cy="0"/>
+          <a:chOff x="0" y="0"/>
+          <a:chExt cx="0" cy="0"/>
+        </a:xfrm>
+      </p:grpSpPr>
+      <p:pic>
+        <p:nvPicPr>
+          <p:cNvPr id="5" name="Image 0">
+            <a:extLst>
+              <a:ext uri="{FF2B5EF4-FFF2-40B4-BE49-F238E27FC236}">
+                <a16:creationId xmlns:a16="http://schemas.microsoft.com/office/drawing/2014/main" id="{16F1DEC7-59A5-950B-2118-7E1E7D799D4E}"/>
+              </a:ext>
+            </a:extLst>
+          </p:cNvPr>
+          <p:cNvPicPr>
+            <a:picLocks noChangeAspect="1"/>
+          </p:cNvPicPr>
+          <p:nvPr/>
+        </p:nvPicPr>
+        <p:blipFill>
+          <a:blip r:embed="rId2"/>
+          <a:stretch>
+            <a:fillRect/>
+          </a:stretch>
+        </p:blipFill>
+        <p:spPr>
+          <a:xfrm>
+            <a:off x="0" y="0"/>
+            <a:ext cx="12192000" cy="6858000"/>
+          </a:xfrm>
+          <a:prstGeom prst="rect">
+            <a:avLst/>
+          </a:prstGeom>
+        </p:spPr>
+      </p:pic>
+      <p:sp>
+        <p:nvSpPr>
+          <p:cNvPr id="6" name="Shape 0">
+            <a:extLst>
+              <a:ext uri="{FF2B5EF4-FFF2-40B4-BE49-F238E27FC236}">
+                <a16:creationId xmlns:a16="http://schemas.microsoft.com/office/drawing/2014/main" id="{CA601536-4480-95CD-7C3C-708794C5BC54}"/>
+              </a:ext>
+            </a:extLst>
+          </p:cNvPr>
+          <p:cNvSpPr/>
+          <p:nvPr/>
+        </p:nvSpPr>
+        <p:spPr>
+          <a:xfrm>
+            <a:off x="0" y="-5239"/>
+            <a:ext cx="12192000" cy="6863239"/>
+          </a:xfrm>
+          <a:prstGeom prst="rect">
+            <a:avLst/>
+          </a:prstGeom>
+          <a:solidFill>
+            <a:srgbClr val="0D0A2C">
+              <a:alpha val="75000"/>
+            </a:srgbClr>
+          </a:solidFill>
+          <a:ln/>
+        </p:spPr>
+        <p:txBody>
+          <a:bodyPr/>
+          <a:lstStyle/>
+          <a:p>
+            <a:endParaRPr lang="en-IN" dirty="0"/>
+          </a:p>
+        </p:txBody>
+      </p:sp>
+      <p:sp>
+        <p:nvSpPr>
+          <p:cNvPr id="2" name="Date Placeholder 1">
+            <a:extLst>
+              <a:ext uri="{FF2B5EF4-FFF2-40B4-BE49-F238E27FC236}">
+                <a16:creationId xmlns:a16="http://schemas.microsoft.com/office/drawing/2014/main" id="{CBDE0955-5A8F-A393-D70E-829ADE565A29}"/>
+              </a:ext>
+            </a:extLst>
+          </p:cNvPr>
+          <p:cNvSpPr>
+            <a:spLocks noGrp="1"/>
+          </p:cNvSpPr>
+          <p:nvPr>
+            <p:ph type="dt" sz="half" idx="10"/>
+          </p:nvPr>
+        </p:nvSpPr>
+        <p:spPr/>
+        <p:txBody>
+          <a:bodyPr/>
+          <a:lstStyle/>
+          <a:p>
+            <a:fld id="{7A7185E1-EE08-4DE8-A335-44D8790D5FEC}" type="datetime1">
+              <a:rPr lang="en-IN" smtClean="0"/>
+              <a:t>21-04-2025</a:t>
+            </a:fld>
+            <a:endParaRPr lang="en-IN"/>
+          </a:p>
+        </p:txBody>
+      </p:sp>
+      <p:sp>
+        <p:nvSpPr>
+          <p:cNvPr id="3" name="Slide Number Placeholder 2">
+            <a:extLst>
+              <a:ext uri="{FF2B5EF4-FFF2-40B4-BE49-F238E27FC236}">
+                <a16:creationId xmlns:a16="http://schemas.microsoft.com/office/drawing/2014/main" id="{CDE94212-3620-FCE2-CE02-098830E85CE9}"/>
+              </a:ext>
+            </a:extLst>
+          </p:cNvPr>
+          <p:cNvSpPr>
+            <a:spLocks noGrp="1"/>
+          </p:cNvSpPr>
+          <p:nvPr>
+            <p:ph type="sldNum" sz="quarter" idx="12"/>
+          </p:nvPr>
+        </p:nvSpPr>
+        <p:spPr/>
+        <p:txBody>
+          <a:bodyPr/>
+          <a:lstStyle/>
+          <a:p>
+            <a:fld id="{D8E333C3-D252-418C-8073-1ABE7B08C0E3}" type="slidenum">
+              <a:rPr lang="en-IN" smtClean="0"/>
+              <a:t>14</a:t>
+            </a:fld>
+            <a:endParaRPr lang="en-IN"/>
+          </a:p>
+        </p:txBody>
+      </p:sp>
+      <p:sp>
+        <p:nvSpPr>
+          <p:cNvPr id="4" name="TextBox 3">
+            <a:extLst>
+              <a:ext uri="{FF2B5EF4-FFF2-40B4-BE49-F238E27FC236}">
+                <a16:creationId xmlns:a16="http://schemas.microsoft.com/office/drawing/2014/main" id="{1CC14EB4-E682-1456-46D1-FBEBF63A44C2}"/>
+              </a:ext>
+            </a:extLst>
+          </p:cNvPr>
+          <p:cNvSpPr txBox="1"/>
+          <p:nvPr/>
+        </p:nvSpPr>
+        <p:spPr>
+          <a:xfrm>
+            <a:off x="952053" y="350654"/>
+            <a:ext cx="7725782" cy="584775"/>
+          </a:xfrm>
+          <a:prstGeom prst="rect">
+            <a:avLst/>
+          </a:prstGeom>
+          <a:noFill/>
+        </p:spPr>
+        <p:txBody>
+          <a:bodyPr wrap="square" rtlCol="0">
+            <a:spAutoFit/>
+          </a:bodyPr>
+          <a:lstStyle/>
+          <a:p>
+            <a:r>
+              <a:rPr lang="en-IN" sz="3200" dirty="0">
+                <a:solidFill>
+                  <a:srgbClr val="FFFF00"/>
+                </a:solidFill>
+                <a:latin typeface="Aharoni" panose="02010803020104030203" pitchFamily="2" charset="-79"/>
+                <a:cs typeface="Aharoni" panose="02010803020104030203" pitchFamily="2" charset="-79"/>
+              </a:rPr>
+              <a:t>Data Visualization - UI</a:t>
+            </a:r>
+          </a:p>
+        </p:txBody>
+      </p:sp>
+    </p:spTree>
+    <p:extLst>
+      <p:ext uri="{BB962C8B-B14F-4D97-AF65-F5344CB8AC3E}">
+        <p14:creationId xmlns:p14="http://schemas.microsoft.com/office/powerpoint/2010/main" val="1511008715"/>
+      </p:ext>
+    </p:extLst>
+  </p:cSld>
+  <p:clrMapOvr>
+    <a:masterClrMapping/>
+  </p:clrMapOvr>
+</p:sld>
+</file>
+
+<file path=ppt/slides/slide15.xml><?xml version="1.0" encoding="utf-8"?>
+<p:sld xmlns:a="http://schemas.openxmlformats.org/drawingml/2006/main" xmlns:r="http://schemas.openxmlformats.org/officeDocument/2006/relationships" xmlns:p="http://schemas.openxmlformats.org/presentationml/2006/main">
+  <p:cSld>
+    <p:spTree>
+      <p:nvGrpSpPr>
+        <p:cNvPr id="1" name="">
+          <a:extLst>
+            <a:ext uri="{FF2B5EF4-FFF2-40B4-BE49-F238E27FC236}">
+              <a16:creationId xmlns:a16="http://schemas.microsoft.com/office/drawing/2014/main" id="{957B4CF1-D8B1-AA8B-B25B-4CD06F30746E}"/>
+            </a:ext>
+          </a:extLst>
+        </p:cNvPr>
+        <p:cNvGrpSpPr/>
+        <p:nvPr/>
+      </p:nvGrpSpPr>
+      <p:grpSpPr>
+        <a:xfrm>
+          <a:off x="0" y="0"/>
+          <a:ext cx="0" cy="0"/>
+          <a:chOff x="0" y="0"/>
+          <a:chExt cx="0" cy="0"/>
+        </a:xfrm>
+      </p:grpSpPr>
+      <p:pic>
+        <p:nvPicPr>
+          <p:cNvPr id="5" name="Image 0">
+            <a:extLst>
+              <a:ext uri="{FF2B5EF4-FFF2-40B4-BE49-F238E27FC236}">
+                <a16:creationId xmlns:a16="http://schemas.microsoft.com/office/drawing/2014/main" id="{FED7DC17-0130-783C-C119-779D96036B89}"/>
+              </a:ext>
+            </a:extLst>
+          </p:cNvPr>
+          <p:cNvPicPr>
+            <a:picLocks noChangeAspect="1"/>
+          </p:cNvPicPr>
+          <p:nvPr/>
+        </p:nvPicPr>
+        <p:blipFill>
+          <a:blip r:embed="rId2"/>
+          <a:stretch>
+            <a:fillRect/>
+          </a:stretch>
+        </p:blipFill>
+        <p:spPr>
+          <a:xfrm>
+            <a:off x="0" y="0"/>
+            <a:ext cx="12192000" cy="6858000"/>
+          </a:xfrm>
+          <a:prstGeom prst="rect">
+            <a:avLst/>
+          </a:prstGeom>
+        </p:spPr>
+      </p:pic>
+      <p:sp>
+        <p:nvSpPr>
+          <p:cNvPr id="6" name="Shape 0">
+            <a:extLst>
+              <a:ext uri="{FF2B5EF4-FFF2-40B4-BE49-F238E27FC236}">
+                <a16:creationId xmlns:a16="http://schemas.microsoft.com/office/drawing/2014/main" id="{F3D1BF50-3F10-FAF0-40BF-39EC2C1AD1F5}"/>
+              </a:ext>
+            </a:extLst>
+          </p:cNvPr>
+          <p:cNvSpPr/>
+          <p:nvPr/>
+        </p:nvSpPr>
+        <p:spPr>
+          <a:xfrm>
+            <a:off x="0" y="-5239"/>
+            <a:ext cx="12192000" cy="6863239"/>
+          </a:xfrm>
+          <a:prstGeom prst="rect">
+            <a:avLst/>
+          </a:prstGeom>
+          <a:solidFill>
+            <a:srgbClr val="0D0A2C">
+              <a:alpha val="75000"/>
+            </a:srgbClr>
+          </a:solidFill>
+          <a:ln/>
+        </p:spPr>
+        <p:txBody>
+          <a:bodyPr/>
+          <a:lstStyle/>
+          <a:p>
+            <a:endParaRPr lang="en-IN" dirty="0"/>
+          </a:p>
+        </p:txBody>
+      </p:sp>
+      <p:sp>
+        <p:nvSpPr>
+          <p:cNvPr id="2" name="Date Placeholder 1">
+            <a:extLst>
+              <a:ext uri="{FF2B5EF4-FFF2-40B4-BE49-F238E27FC236}">
+                <a16:creationId xmlns:a16="http://schemas.microsoft.com/office/drawing/2014/main" id="{1255B933-C486-2AC2-F240-6935C30C1633}"/>
+              </a:ext>
+            </a:extLst>
+          </p:cNvPr>
+          <p:cNvSpPr>
+            <a:spLocks noGrp="1"/>
+          </p:cNvSpPr>
+          <p:nvPr>
+            <p:ph type="dt" sz="half" idx="10"/>
+          </p:nvPr>
+        </p:nvSpPr>
+        <p:spPr/>
+        <p:txBody>
+          <a:bodyPr/>
+          <a:lstStyle/>
+          <a:p>
+            <a:fld id="{7A7185E1-EE08-4DE8-A335-44D8790D5FEC}" type="datetime1">
+              <a:rPr lang="en-IN" smtClean="0"/>
+              <a:t>21-04-2025</a:t>
+            </a:fld>
+            <a:endParaRPr lang="en-IN"/>
+          </a:p>
+        </p:txBody>
+      </p:sp>
+      <p:sp>
+        <p:nvSpPr>
+          <p:cNvPr id="3" name="Slide Number Placeholder 2">
+            <a:extLst>
+              <a:ext uri="{FF2B5EF4-FFF2-40B4-BE49-F238E27FC236}">
+                <a16:creationId xmlns:a16="http://schemas.microsoft.com/office/drawing/2014/main" id="{C92544C0-9837-CFAE-B5C8-2E2359A5EB82}"/>
+              </a:ext>
+            </a:extLst>
+          </p:cNvPr>
+          <p:cNvSpPr>
+            <a:spLocks noGrp="1"/>
+          </p:cNvSpPr>
+          <p:nvPr>
+            <p:ph type="sldNum" sz="quarter" idx="12"/>
+          </p:nvPr>
+        </p:nvSpPr>
+        <p:spPr/>
+        <p:txBody>
+          <a:bodyPr/>
+          <a:lstStyle/>
+          <a:p>
+            <a:fld id="{D8E333C3-D252-418C-8073-1ABE7B08C0E3}" type="slidenum">
+              <a:rPr lang="en-IN" smtClean="0"/>
+              <a:t>15</a:t>
+            </a:fld>
+            <a:endParaRPr lang="en-IN"/>
+          </a:p>
+        </p:txBody>
+      </p:sp>
+      <p:sp>
+        <p:nvSpPr>
+          <p:cNvPr id="4" name="TextBox 3">
+            <a:extLst>
+              <a:ext uri="{FF2B5EF4-FFF2-40B4-BE49-F238E27FC236}">
+                <a16:creationId xmlns:a16="http://schemas.microsoft.com/office/drawing/2014/main" id="{81C4A903-0E67-776F-0A97-3BCF88A1981A}"/>
+              </a:ext>
+            </a:extLst>
+          </p:cNvPr>
+          <p:cNvSpPr txBox="1"/>
+          <p:nvPr/>
+        </p:nvSpPr>
+        <p:spPr>
+          <a:xfrm>
+            <a:off x="952053" y="350654"/>
+            <a:ext cx="7725782" cy="584775"/>
+          </a:xfrm>
+          <a:prstGeom prst="rect">
+            <a:avLst/>
+          </a:prstGeom>
+          <a:noFill/>
+        </p:spPr>
+        <p:txBody>
+          <a:bodyPr wrap="square" rtlCol="0">
+            <a:spAutoFit/>
+          </a:bodyPr>
+          <a:lstStyle/>
+          <a:p>
+            <a:r>
+              <a:rPr lang="en-IN" sz="3200" dirty="0">
+                <a:solidFill>
+                  <a:srgbClr val="FFFF00"/>
+                </a:solidFill>
+                <a:latin typeface="Aharoni" panose="02010803020104030203" pitchFamily="2" charset="-79"/>
+                <a:cs typeface="Aharoni" panose="02010803020104030203" pitchFamily="2" charset="-79"/>
+              </a:rPr>
+              <a:t>Data Collection - UI</a:t>
+            </a:r>
+          </a:p>
+        </p:txBody>
+      </p:sp>
+    </p:spTree>
+    <p:extLst>
+      <p:ext uri="{BB962C8B-B14F-4D97-AF65-F5344CB8AC3E}">
+        <p14:creationId xmlns:p14="http://schemas.microsoft.com/office/powerpoint/2010/main" val="2857751241"/>
+      </p:ext>
+    </p:extLst>
+  </p:cSld>
+  <p:clrMapOvr>
+    <a:masterClrMapping/>
+  </p:clrMapOvr>
+</p:sld>
+</file>
+
+<file path=ppt/slides/slide16.xml><?xml version="1.0" encoding="utf-8"?>
 <p:sld xmlns:a="http://schemas.openxmlformats.org/drawingml/2006/main" xmlns:r="http://schemas.openxmlformats.org/officeDocument/2006/relationships" xmlns:p="http://schemas.openxmlformats.org/presentationml/2006/main">
   <p:cSld>
     <p:spTree>
@@ -5409,7 +5873,7 @@
           <a:p>
             <a:fld id="{D8E333C3-D252-418C-8073-1ABE7B08C0E3}" type="slidenum">
               <a:rPr lang="en-IN" smtClean="0"/>
-              <a:t>14</a:t>
+              <a:t>16</a:t>
             </a:fld>
             <a:endParaRPr lang="en-IN"/>
           </a:p>
@@ -5688,7 +6152,7 @@
 </p:sld>
 </file>
 
-<file path=ppt/slides/slide15.xml><?xml version="1.0" encoding="utf-8"?>
+<file path=ppt/slides/slide17.xml><?xml version="1.0" encoding="utf-8"?>
 <p:sld xmlns:a="http://schemas.openxmlformats.org/drawingml/2006/main" xmlns:r="http://schemas.openxmlformats.org/officeDocument/2006/relationships" xmlns:p="http://schemas.openxmlformats.org/presentationml/2006/main">
   <p:cSld>
     <p:spTree>
@@ -5828,7 +6292,7 @@
           <a:p>
             <a:fld id="{D8E333C3-D252-418C-8073-1ABE7B08C0E3}" type="slidenum">
               <a:rPr lang="en-IN" smtClean="0"/>
-              <a:t>15</a:t>
+              <a:t>17</a:t>
             </a:fld>
             <a:endParaRPr lang="en-IN"/>
           </a:p>
@@ -6092,7 +6556,7 @@
 </p:sld>
 </file>
 
-<file path=ppt/slides/slide16.xml><?xml version="1.0" encoding="utf-8"?>
+<file path=ppt/slides/slide18.xml><?xml version="1.0" encoding="utf-8"?>
 <p:sld xmlns:a="http://schemas.openxmlformats.org/drawingml/2006/main" xmlns:r="http://schemas.openxmlformats.org/officeDocument/2006/relationships" xmlns:p="http://schemas.openxmlformats.org/presentationml/2006/main">
   <p:cSld>
     <p:spTree>
@@ -6232,7 +6696,7 @@
           <a:p>
             <a:fld id="{D8E333C3-D252-418C-8073-1ABE7B08C0E3}" type="slidenum">
               <a:rPr lang="en-IN" smtClean="0"/>
-              <a:t>16</a:t>
+              <a:t>18</a:t>
             </a:fld>
             <a:endParaRPr lang="en-IN"/>
           </a:p>
@@ -6382,7 +6846,7 @@
 </p:sld>
 </file>
 
-<file path=ppt/slides/slide17.xml><?xml version="1.0" encoding="utf-8"?>
+<file path=ppt/slides/slide19.xml><?xml version="1.0" encoding="utf-8"?>
 <p:sld xmlns:a="http://schemas.openxmlformats.org/drawingml/2006/main" xmlns:r="http://schemas.openxmlformats.org/officeDocument/2006/relationships" xmlns:p="http://schemas.openxmlformats.org/presentationml/2006/main">
   <p:cSld>
     <p:spTree>
@@ -6522,7 +6986,7 @@
           <a:p>
             <a:fld id="{D8E333C3-D252-418C-8073-1ABE7B08C0E3}" type="slidenum">
               <a:rPr lang="en-IN" smtClean="0"/>
-              <a:t>17</a:t>
+              <a:t>19</a:t>
             </a:fld>
             <a:endParaRPr lang="en-IN"/>
           </a:p>
@@ -6810,217 +7274,6 @@
     <p:extLst>
       <p:ext uri="{BB962C8B-B14F-4D97-AF65-F5344CB8AC3E}">
         <p14:creationId xmlns:p14="http://schemas.microsoft.com/office/powerpoint/2010/main" val="1664401824"/>
-      </p:ext>
-    </p:extLst>
-  </p:cSld>
-  <p:clrMapOvr>
-    <a:masterClrMapping/>
-  </p:clrMapOvr>
-</p:sld>
-</file>
-
-<file path=ppt/slides/slide18.xml><?xml version="1.0" encoding="utf-8"?>
-<p:sld xmlns:a="http://schemas.openxmlformats.org/drawingml/2006/main" xmlns:r="http://schemas.openxmlformats.org/officeDocument/2006/relationships" xmlns:p="http://schemas.openxmlformats.org/presentationml/2006/main">
-  <p:cSld>
-    <p:spTree>
-      <p:nvGrpSpPr>
-        <p:cNvPr id="1" name="">
-          <a:extLst>
-            <a:ext uri="{FF2B5EF4-FFF2-40B4-BE49-F238E27FC236}">
-              <a16:creationId xmlns:a16="http://schemas.microsoft.com/office/drawing/2014/main" id="{5DE058B9-B6C9-0ABE-FDBA-A5DFE1E45C89}"/>
-            </a:ext>
-          </a:extLst>
-        </p:cNvPr>
-        <p:cNvGrpSpPr/>
-        <p:nvPr/>
-      </p:nvGrpSpPr>
-      <p:grpSpPr>
-        <a:xfrm>
-          <a:off x="0" y="0"/>
-          <a:ext cx="0" cy="0"/>
-          <a:chOff x="0" y="0"/>
-          <a:chExt cx="0" cy="0"/>
-        </a:xfrm>
-      </p:grpSpPr>
-      <p:pic>
-        <p:nvPicPr>
-          <p:cNvPr id="5" name="Image 0">
-            <a:extLst>
-              <a:ext uri="{FF2B5EF4-FFF2-40B4-BE49-F238E27FC236}">
-                <a16:creationId xmlns:a16="http://schemas.microsoft.com/office/drawing/2014/main" id="{0E9283D9-4176-5DAC-BBA7-F36680A2536E}"/>
-              </a:ext>
-            </a:extLst>
-          </p:cNvPr>
-          <p:cNvPicPr>
-            <a:picLocks noChangeAspect="1"/>
-          </p:cNvPicPr>
-          <p:nvPr/>
-        </p:nvPicPr>
-        <p:blipFill>
-          <a:blip r:embed="rId2"/>
-          <a:stretch>
-            <a:fillRect/>
-          </a:stretch>
-        </p:blipFill>
-        <p:spPr>
-          <a:xfrm>
-            <a:off x="0" y="0"/>
-            <a:ext cx="12192000" cy="6858000"/>
-          </a:xfrm>
-          <a:prstGeom prst="rect">
-            <a:avLst/>
-          </a:prstGeom>
-        </p:spPr>
-      </p:pic>
-      <p:sp>
-        <p:nvSpPr>
-          <p:cNvPr id="6" name="Shape 0">
-            <a:extLst>
-              <a:ext uri="{FF2B5EF4-FFF2-40B4-BE49-F238E27FC236}">
-                <a16:creationId xmlns:a16="http://schemas.microsoft.com/office/drawing/2014/main" id="{DFDDBE90-FBB5-5A6F-8DEC-E73088E56705}"/>
-              </a:ext>
-            </a:extLst>
-          </p:cNvPr>
-          <p:cNvSpPr/>
-          <p:nvPr/>
-        </p:nvSpPr>
-        <p:spPr>
-          <a:xfrm>
-            <a:off x="0" y="-5239"/>
-            <a:ext cx="12192000" cy="6863239"/>
-          </a:xfrm>
-          <a:prstGeom prst="rect">
-            <a:avLst/>
-          </a:prstGeom>
-          <a:solidFill>
-            <a:srgbClr val="0D0A2C">
-              <a:alpha val="75000"/>
-            </a:srgbClr>
-          </a:solidFill>
-          <a:ln/>
-        </p:spPr>
-        <p:txBody>
-          <a:bodyPr/>
-          <a:lstStyle/>
-          <a:p>
-            <a:endParaRPr lang="en-IN" dirty="0"/>
-          </a:p>
-        </p:txBody>
-      </p:sp>
-      <p:sp>
-        <p:nvSpPr>
-          <p:cNvPr id="2" name="Date Placeholder 1">
-            <a:extLst>
-              <a:ext uri="{FF2B5EF4-FFF2-40B4-BE49-F238E27FC236}">
-                <a16:creationId xmlns:a16="http://schemas.microsoft.com/office/drawing/2014/main" id="{2C41DAFA-B8AE-47E8-BE92-B42B8EBE15F3}"/>
-              </a:ext>
-            </a:extLst>
-          </p:cNvPr>
-          <p:cNvSpPr>
-            <a:spLocks noGrp="1"/>
-          </p:cNvSpPr>
-          <p:nvPr>
-            <p:ph type="dt" sz="half" idx="10"/>
-          </p:nvPr>
-        </p:nvSpPr>
-        <p:spPr/>
-        <p:txBody>
-          <a:bodyPr/>
-          <a:lstStyle/>
-          <a:p>
-            <a:fld id="{7A7185E1-EE08-4DE8-A335-44D8790D5FEC}" type="datetime1">
-              <a:rPr lang="en-IN" smtClean="0"/>
-              <a:t>21-04-2025</a:t>
-            </a:fld>
-            <a:endParaRPr lang="en-IN"/>
-          </a:p>
-        </p:txBody>
-      </p:sp>
-      <p:sp>
-        <p:nvSpPr>
-          <p:cNvPr id="3" name="Slide Number Placeholder 2">
-            <a:extLst>
-              <a:ext uri="{FF2B5EF4-FFF2-40B4-BE49-F238E27FC236}">
-                <a16:creationId xmlns:a16="http://schemas.microsoft.com/office/drawing/2014/main" id="{4B80F1AD-F6CE-948B-6EC5-32D561A1F94B}"/>
-              </a:ext>
-            </a:extLst>
-          </p:cNvPr>
-          <p:cNvSpPr>
-            <a:spLocks noGrp="1"/>
-          </p:cNvSpPr>
-          <p:nvPr>
-            <p:ph type="sldNum" sz="quarter" idx="12"/>
-          </p:nvPr>
-        </p:nvSpPr>
-        <p:spPr/>
-        <p:txBody>
-          <a:bodyPr/>
-          <a:lstStyle/>
-          <a:p>
-            <a:fld id="{D8E333C3-D252-418C-8073-1ABE7B08C0E3}" type="slidenum">
-              <a:rPr lang="en-IN" smtClean="0"/>
-              <a:t>18</a:t>
-            </a:fld>
-            <a:endParaRPr lang="en-IN"/>
-          </a:p>
-        </p:txBody>
-      </p:sp>
-      <p:sp>
-        <p:nvSpPr>
-          <p:cNvPr id="4" name="TextBox 3">
-            <a:extLst>
-              <a:ext uri="{FF2B5EF4-FFF2-40B4-BE49-F238E27FC236}">
-                <a16:creationId xmlns:a16="http://schemas.microsoft.com/office/drawing/2014/main" id="{64E16DD0-7865-FA88-074D-91A354276C4F}"/>
-              </a:ext>
-            </a:extLst>
-          </p:cNvPr>
-          <p:cNvSpPr txBox="1"/>
-          <p:nvPr/>
-        </p:nvSpPr>
-        <p:spPr>
-          <a:xfrm>
-            <a:off x="0" y="2609760"/>
-            <a:ext cx="12192000" cy="1446550"/>
-          </a:xfrm>
-          <a:prstGeom prst="rect">
-            <a:avLst/>
-          </a:prstGeom>
-          <a:noFill/>
-        </p:spPr>
-        <p:txBody>
-          <a:bodyPr wrap="square" rtlCol="0">
-            <a:spAutoFit/>
-          </a:bodyPr>
-          <a:lstStyle/>
-          <a:p>
-            <a:pPr algn="ctr"/>
-            <a:r>
-              <a:rPr lang="en-IN" sz="8800" b="1" spc="600" dirty="0">
-                <a:solidFill>
-                  <a:schemeClr val="accent1">
-                    <a:lumMod val="40000"/>
-                    <a:lumOff val="60000"/>
-                  </a:schemeClr>
-                </a:solidFill>
-                <a:effectLst>
-                  <a:outerShdw blurRad="38100" dist="38100" dir="2700000" algn="tl">
-                    <a:srgbClr val="000000">
-                      <a:alpha val="43137"/>
-                    </a:srgbClr>
-                  </a:outerShdw>
-                </a:effectLst>
-                <a:latin typeface="Bradley Hand ITC" panose="03070402050302030203" pitchFamily="66" charset="0"/>
-                <a:cs typeface="Aharoni" panose="02010803020104030203" pitchFamily="2" charset="-79"/>
-              </a:rPr>
-              <a:t>Thank you</a:t>
-            </a:r>
-          </a:p>
-        </p:txBody>
-      </p:sp>
-    </p:spTree>
-    <p:extLst>
-      <p:ext uri="{BB962C8B-B14F-4D97-AF65-F5344CB8AC3E}">
-        <p14:creationId xmlns:p14="http://schemas.microsoft.com/office/powerpoint/2010/main" val="1052237415"/>
       </p:ext>
     </p:extLst>
   </p:cSld>
@@ -7315,6 +7568,217 @@
     <p:extLst>
       <p:ext uri="{BB962C8B-B14F-4D97-AF65-F5344CB8AC3E}">
         <p14:creationId xmlns:p14="http://schemas.microsoft.com/office/powerpoint/2010/main" val="1579628148"/>
+      </p:ext>
+    </p:extLst>
+  </p:cSld>
+  <p:clrMapOvr>
+    <a:masterClrMapping/>
+  </p:clrMapOvr>
+</p:sld>
+</file>
+
+<file path=ppt/slides/slide20.xml><?xml version="1.0" encoding="utf-8"?>
+<p:sld xmlns:a="http://schemas.openxmlformats.org/drawingml/2006/main" xmlns:r="http://schemas.openxmlformats.org/officeDocument/2006/relationships" xmlns:p="http://schemas.openxmlformats.org/presentationml/2006/main">
+  <p:cSld>
+    <p:spTree>
+      <p:nvGrpSpPr>
+        <p:cNvPr id="1" name="">
+          <a:extLst>
+            <a:ext uri="{FF2B5EF4-FFF2-40B4-BE49-F238E27FC236}">
+              <a16:creationId xmlns:a16="http://schemas.microsoft.com/office/drawing/2014/main" id="{5DE058B9-B6C9-0ABE-FDBA-A5DFE1E45C89}"/>
+            </a:ext>
+          </a:extLst>
+        </p:cNvPr>
+        <p:cNvGrpSpPr/>
+        <p:nvPr/>
+      </p:nvGrpSpPr>
+      <p:grpSpPr>
+        <a:xfrm>
+          <a:off x="0" y="0"/>
+          <a:ext cx="0" cy="0"/>
+          <a:chOff x="0" y="0"/>
+          <a:chExt cx="0" cy="0"/>
+        </a:xfrm>
+      </p:grpSpPr>
+      <p:pic>
+        <p:nvPicPr>
+          <p:cNvPr id="5" name="Image 0">
+            <a:extLst>
+              <a:ext uri="{FF2B5EF4-FFF2-40B4-BE49-F238E27FC236}">
+                <a16:creationId xmlns:a16="http://schemas.microsoft.com/office/drawing/2014/main" id="{0E9283D9-4176-5DAC-BBA7-F36680A2536E}"/>
+              </a:ext>
+            </a:extLst>
+          </p:cNvPr>
+          <p:cNvPicPr>
+            <a:picLocks noChangeAspect="1"/>
+          </p:cNvPicPr>
+          <p:nvPr/>
+        </p:nvPicPr>
+        <p:blipFill>
+          <a:blip r:embed="rId2"/>
+          <a:stretch>
+            <a:fillRect/>
+          </a:stretch>
+        </p:blipFill>
+        <p:spPr>
+          <a:xfrm>
+            <a:off x="0" y="0"/>
+            <a:ext cx="12192000" cy="6858000"/>
+          </a:xfrm>
+          <a:prstGeom prst="rect">
+            <a:avLst/>
+          </a:prstGeom>
+        </p:spPr>
+      </p:pic>
+      <p:sp>
+        <p:nvSpPr>
+          <p:cNvPr id="6" name="Shape 0">
+            <a:extLst>
+              <a:ext uri="{FF2B5EF4-FFF2-40B4-BE49-F238E27FC236}">
+                <a16:creationId xmlns:a16="http://schemas.microsoft.com/office/drawing/2014/main" id="{DFDDBE90-FBB5-5A6F-8DEC-E73088E56705}"/>
+              </a:ext>
+            </a:extLst>
+          </p:cNvPr>
+          <p:cNvSpPr/>
+          <p:nvPr/>
+        </p:nvSpPr>
+        <p:spPr>
+          <a:xfrm>
+            <a:off x="0" y="-5239"/>
+            <a:ext cx="12192000" cy="6863239"/>
+          </a:xfrm>
+          <a:prstGeom prst="rect">
+            <a:avLst/>
+          </a:prstGeom>
+          <a:solidFill>
+            <a:srgbClr val="0D0A2C">
+              <a:alpha val="75000"/>
+            </a:srgbClr>
+          </a:solidFill>
+          <a:ln/>
+        </p:spPr>
+        <p:txBody>
+          <a:bodyPr/>
+          <a:lstStyle/>
+          <a:p>
+            <a:endParaRPr lang="en-IN" dirty="0"/>
+          </a:p>
+        </p:txBody>
+      </p:sp>
+      <p:sp>
+        <p:nvSpPr>
+          <p:cNvPr id="2" name="Date Placeholder 1">
+            <a:extLst>
+              <a:ext uri="{FF2B5EF4-FFF2-40B4-BE49-F238E27FC236}">
+                <a16:creationId xmlns:a16="http://schemas.microsoft.com/office/drawing/2014/main" id="{2C41DAFA-B8AE-47E8-BE92-B42B8EBE15F3}"/>
+              </a:ext>
+            </a:extLst>
+          </p:cNvPr>
+          <p:cNvSpPr>
+            <a:spLocks noGrp="1"/>
+          </p:cNvSpPr>
+          <p:nvPr>
+            <p:ph type="dt" sz="half" idx="10"/>
+          </p:nvPr>
+        </p:nvSpPr>
+        <p:spPr/>
+        <p:txBody>
+          <a:bodyPr/>
+          <a:lstStyle/>
+          <a:p>
+            <a:fld id="{7A7185E1-EE08-4DE8-A335-44D8790D5FEC}" type="datetime1">
+              <a:rPr lang="en-IN" smtClean="0"/>
+              <a:t>21-04-2025</a:t>
+            </a:fld>
+            <a:endParaRPr lang="en-IN"/>
+          </a:p>
+        </p:txBody>
+      </p:sp>
+      <p:sp>
+        <p:nvSpPr>
+          <p:cNvPr id="3" name="Slide Number Placeholder 2">
+            <a:extLst>
+              <a:ext uri="{FF2B5EF4-FFF2-40B4-BE49-F238E27FC236}">
+                <a16:creationId xmlns:a16="http://schemas.microsoft.com/office/drawing/2014/main" id="{4B80F1AD-F6CE-948B-6EC5-32D561A1F94B}"/>
+              </a:ext>
+            </a:extLst>
+          </p:cNvPr>
+          <p:cNvSpPr>
+            <a:spLocks noGrp="1"/>
+          </p:cNvSpPr>
+          <p:nvPr>
+            <p:ph type="sldNum" sz="quarter" idx="12"/>
+          </p:nvPr>
+        </p:nvSpPr>
+        <p:spPr/>
+        <p:txBody>
+          <a:bodyPr/>
+          <a:lstStyle/>
+          <a:p>
+            <a:fld id="{D8E333C3-D252-418C-8073-1ABE7B08C0E3}" type="slidenum">
+              <a:rPr lang="en-IN" smtClean="0"/>
+              <a:t>20</a:t>
+            </a:fld>
+            <a:endParaRPr lang="en-IN"/>
+          </a:p>
+        </p:txBody>
+      </p:sp>
+      <p:sp>
+        <p:nvSpPr>
+          <p:cNvPr id="4" name="TextBox 3">
+            <a:extLst>
+              <a:ext uri="{FF2B5EF4-FFF2-40B4-BE49-F238E27FC236}">
+                <a16:creationId xmlns:a16="http://schemas.microsoft.com/office/drawing/2014/main" id="{64E16DD0-7865-FA88-074D-91A354276C4F}"/>
+              </a:ext>
+            </a:extLst>
+          </p:cNvPr>
+          <p:cNvSpPr txBox="1"/>
+          <p:nvPr/>
+        </p:nvSpPr>
+        <p:spPr>
+          <a:xfrm>
+            <a:off x="0" y="2609760"/>
+            <a:ext cx="12192000" cy="1446550"/>
+          </a:xfrm>
+          <a:prstGeom prst="rect">
+            <a:avLst/>
+          </a:prstGeom>
+          <a:noFill/>
+        </p:spPr>
+        <p:txBody>
+          <a:bodyPr wrap="square" rtlCol="0">
+            <a:spAutoFit/>
+          </a:bodyPr>
+          <a:lstStyle/>
+          <a:p>
+            <a:pPr algn="ctr"/>
+            <a:r>
+              <a:rPr lang="en-IN" sz="8800" b="1" spc="600" dirty="0">
+                <a:solidFill>
+                  <a:schemeClr val="accent1">
+                    <a:lumMod val="40000"/>
+                    <a:lumOff val="60000"/>
+                  </a:schemeClr>
+                </a:solidFill>
+                <a:effectLst>
+                  <a:outerShdw blurRad="38100" dist="38100" dir="2700000" algn="tl">
+                    <a:srgbClr val="000000">
+                      <a:alpha val="43137"/>
+                    </a:srgbClr>
+                  </a:outerShdw>
+                </a:effectLst>
+                <a:latin typeface="Bradley Hand ITC" panose="03070402050302030203" pitchFamily="66" charset="0"/>
+                <a:cs typeface="Aharoni" panose="02010803020104030203" pitchFamily="2" charset="-79"/>
+              </a:rPr>
+              <a:t>Thank you</a:t>
+            </a:r>
+          </a:p>
+        </p:txBody>
+      </p:sp>
+    </p:spTree>
+    <p:extLst>
+      <p:ext uri="{BB962C8B-B14F-4D97-AF65-F5344CB8AC3E}">
+        <p14:creationId xmlns:p14="http://schemas.microsoft.com/office/powerpoint/2010/main" val="1052237415"/>
       </p:ext>
     </p:extLst>
   </p:cSld>
